--- a/tg1pres/prp-naas-techgroup-cambs-14.pptx
+++ b/tg1pres/prp-naas-techgroup-cambs-14.pptx
@@ -151,6 +151,21 @@
   </p:defaultTextStyle>
   <p:extLst/>
 </p:presentation>
+</file>
+
+<file path=ppt/commentAuthors.xml><?xml version="1.0" encoding="utf-8"?>
+<p:cmAuthorLst xmlns:a="http://schemas.openxmlformats.org/drawingml/2006/main" xmlns:r="http://schemas.openxmlformats.org/officeDocument/2006/relationships" xmlns:p="http://schemas.openxmlformats.org/presentationml/2006/main">
+  <p:cmAuthor id="0" name="Andrew Moore" initials="AM" lastIdx="1" clrIdx="0"/>
+</p:cmAuthorLst>
+</file>
+
+<file path=ppt/comments/comment1.xml><?xml version="1.0" encoding="utf-8"?>
+<p:cmLst xmlns:a="http://schemas.openxmlformats.org/drawingml/2006/main" xmlns:r="http://schemas.openxmlformats.org/officeDocument/2006/relationships" xmlns:p="http://schemas.openxmlformats.org/presentationml/2006/main">
+  <p:cm authorId="0" dt="2014-12-09T15:54:27.389" idx="1">
+    <p:pos x="4298" y="947"/>
+    <p:text>What is this?</p:text>
+  </p:cm>
+</p:cmLst>
 </file>
 
 <file path=ppt/handoutMasters/handoutMaster1.xml><?xml version="1.0" encoding="utf-8"?>
@@ -4116,7 +4131,7 @@
         <p:spPr/>
         <p:txBody>
           <a:bodyPr>
-            <a:normAutofit fontScale="90000"/>
+            <a:normAutofit/>
           </a:bodyPr>
           <a:lstStyle/>
           <a:p>
@@ -4147,27 +4162,7 @@
                 <a:latin typeface="Corbel"/>
                 <a:ea typeface="ＭＳ Ｐゴシック" pitchFamily="-65" charset="-128"/>
               </a:rPr>
-              <a:t>Network</a:t>
-            </a:r>
-            <a:r>
-              <a:rPr lang="en-GB" sz="4800" b="1" dirty="0" smtClean="0">
-                <a:solidFill>
-                  <a:prstClr val="black"/>
-                </a:solidFill>
-                <a:latin typeface="Corbel"/>
-                <a:ea typeface="ＭＳ Ｐゴシック" pitchFamily="-65" charset="-128"/>
-              </a:rPr>
-              <a:t>-as-a-</a:t>
-            </a:r>
-            <a:r>
-              <a:rPr lang="en-GB" sz="4800" b="1" dirty="0" smtClean="0">
-                <a:solidFill>
-                  <a:prstClr val="black"/>
-                </a:solidFill>
-                <a:latin typeface="Corbel"/>
-                <a:ea typeface="ＭＳ Ｐゴシック" pitchFamily="-65" charset="-128"/>
-              </a:rPr>
-              <a:t>Service</a:t>
+              <a:t>Network-as-a-Service</a:t>
             </a:r>
             <a:endParaRPr lang="en-GB" dirty="0"/>
           </a:p>
@@ -8974,7 +8969,7 @@
                   <a:srgbClr val="FF8000"/>
                 </a:solidFill>
               </a:rPr>
-              <a:t>NetFPGA</a:t>
+              <a:t>NaaS</a:t>
             </a:r>
             <a:r>
               <a:rPr lang="en-GB" sz="1800" dirty="0" smtClean="0">
@@ -8982,23 +8977,7 @@
                   <a:srgbClr val="FF8000"/>
                 </a:solidFill>
               </a:rPr>
-              <a:t> </a:t>
-            </a:r>
-            <a:r>
-              <a:rPr lang="en-GB" sz="1800" dirty="0">
-                <a:solidFill>
-                  <a:srgbClr val="FF8000"/>
-                </a:solidFill>
-              </a:rPr>
-              <a:t>DMA </a:t>
-            </a:r>
-            <a:r>
-              <a:rPr lang="en-GB" sz="1800" dirty="0" smtClean="0">
-                <a:solidFill>
-                  <a:srgbClr val="FF8000"/>
-                </a:solidFill>
-              </a:rPr>
-              <a:t>engine” </a:t>
+              <a:t> Box: Endpoint teleportation” </a:t>
             </a:r>
             <a:r>
               <a:rPr lang="en-GB" sz="1800" dirty="0" smtClean="0"/>
@@ -11820,15 +11799,7 @@
                   <a:schemeClr val="tx1"/>
                 </a:solidFill>
               </a:rPr>
-              <a:t>Network </a:t>
-            </a:r>
-            <a:r>
-              <a:rPr lang="en-GB" sz="2000" dirty="0" smtClean="0">
-                <a:solidFill>
-                  <a:schemeClr val="tx1"/>
-                </a:solidFill>
-              </a:rPr>
-              <a:t>often limits</a:t>
+              <a:t>Network often limits</a:t>
             </a:r>
             <a:endParaRPr lang="en-GB" sz="2000" dirty="0">
               <a:solidFill>
@@ -12264,15 +12235,7 @@
                   <a:srgbClr val="FF8000"/>
                 </a:solidFill>
               </a:rPr>
-              <a:t>Application </a:t>
-            </a:r>
-            <a:r>
-              <a:rPr lang="en-GB" sz="2200" b="0" dirty="0" smtClean="0">
-                <a:solidFill>
-                  <a:srgbClr val="FF8000"/>
-                </a:solidFill>
-              </a:rPr>
-              <a:t>perspective</a:t>
+              <a:t>Application perspective</a:t>
             </a:r>
             <a:endParaRPr lang="en-GB" sz="2200" b="0" dirty="0">
               <a:solidFill>
@@ -12309,15 +12272,7 @@
                   <a:srgbClr val="FF8000"/>
                 </a:solidFill>
               </a:rPr>
-              <a:t>Network </a:t>
-            </a:r>
-            <a:r>
-              <a:rPr lang="en-GB" sz="2200" b="0" dirty="0" smtClean="0">
-                <a:solidFill>
-                  <a:srgbClr val="FF8000"/>
-                </a:solidFill>
-              </a:rPr>
-              <a:t>perspective</a:t>
+              <a:t>Network perspective</a:t>
             </a:r>
             <a:endParaRPr lang="en-GB" sz="2200" b="0" dirty="0">
               <a:solidFill>
@@ -12379,7 +12334,6 @@
               <a:rPr lang="en-GB" sz="2000" dirty="0" smtClean="0"/>
               <a:t>requirements</a:t>
             </a:r>
-            <a:endParaRPr lang="en-GB" sz="2000" dirty="0" smtClean="0"/>
           </a:p>
           <a:p>
             <a:endParaRPr lang="en-GB" sz="2000" dirty="0"/>
@@ -41924,7 +41878,6 @@
               <a:rPr lang="en-US" dirty="0"/>
               <a:t>,… </a:t>
             </a:r>
-            <a:endParaRPr lang="en-US" dirty="0"/>
           </a:p>
           <a:p>
             <a:pPr lvl="1"/>
@@ -42050,19 +42003,7 @@
             </a:r>
             <a:r>
               <a:rPr lang="en-US" dirty="0" smtClean="0"/>
-              <a:t>.g.</a:t>
-            </a:r>
-            <a:r>
-              <a:rPr lang="en-US" dirty="0" smtClean="0"/>
-              <a:t> </a:t>
-            </a:r>
-            <a:r>
-              <a:rPr lang="en-US" dirty="0" smtClean="0"/>
-              <a:t>in-network aggregation, caching, load balancing, </a:t>
-            </a:r>
-            <a:r>
-              <a:rPr lang="en-US" dirty="0" smtClean="0"/>
-              <a:t>content</a:t>
+              <a:t>.g. in-network aggregation, caching, load balancing, content</a:t>
             </a:r>
             <a:r>
               <a:rPr lang="en-US" dirty="0"/>
@@ -42139,15 +42080,7 @@
                   <a:srgbClr val="0E207F"/>
                 </a:solidFill>
               </a:rPr>
-              <a:t>NaaS Goal</a:t>
-            </a:r>
-            <a:r>
-              <a:rPr lang="en-GB" sz="2200" dirty="0" smtClean="0">
-                <a:solidFill>
-                  <a:srgbClr val="0E207F"/>
-                </a:solidFill>
-              </a:rPr>
-              <a:t>:</a:t>
+              <a:t>NaaS Goal:</a:t>
             </a:r>
             <a:r>
               <a:rPr lang="en-GB" sz="2200" dirty="0" smtClean="0"/>
@@ -45891,11 +45824,11 @@
   <p:clrMapOvr>
     <a:masterClrMapping/>
   </p:clrMapOvr>
-  <mc:AlternateContent xmlns:mc="http://schemas.openxmlformats.org/markup-compatibility/2006">
-    <mc:Choice xmlns:p14="http://schemas.microsoft.com/office/powerpoint/2010/main" Requires="p14">
+  <mc:AlternateContent xmlns:mc="http://schemas.openxmlformats.org/markup-compatibility/2006" xmlns:p14="http://schemas.microsoft.com/office/powerpoint/2010/main">
+    <mc:Choice Requires="p14">
       <p:transition p14:dur="0"/>
     </mc:Choice>
-    <mc:Fallback>
+    <mc:Fallback xmlns="">
       <p:transition xmlns:p14="http://schemas.microsoft.com/office/powerpoint/2010/main"/>
     </mc:Fallback>
   </mc:AlternateContent>
@@ -46902,25 +46835,12 @@
               </a:rPr>
               <a:t>efficiency</a:t>
             </a:r>
-            <a:endParaRPr lang="en-GB" dirty="0" smtClean="0">
-              <a:solidFill>
-                <a:srgbClr val="FF8000"/>
-              </a:solidFill>
-            </a:endParaRPr>
           </a:p>
           <a:p>
             <a:pPr lvl="1"/>
             <a:r>
               <a:rPr lang="en-GB" dirty="0" smtClean="0"/>
-              <a:t>Line rate data processing (</a:t>
-            </a:r>
-            <a:r>
-              <a:rPr lang="en-GB" dirty="0" smtClean="0"/>
-              <a:t>10Gbps </a:t>
-            </a:r>
-            <a:r>
-              <a:rPr lang="en-GB" dirty="0" smtClean="0"/>
-              <a:t>initially)</a:t>
+              <a:t>Line rate data processing (10Gbps initially)</a:t>
             </a:r>
           </a:p>
           <a:p>
@@ -46942,13 +46862,8 @@
             </a:pPr>
             <a:r>
               <a:rPr lang="en-GB" dirty="0" smtClean="0"/>
-              <a:t>Offload to </a:t>
+              <a:t>Offload to hardware when possible</a:t>
             </a:r>
-            <a:r>
-              <a:rPr lang="en-GB" dirty="0" smtClean="0"/>
-              <a:t>hardware when possible</a:t>
-            </a:r>
-            <a:endParaRPr lang="en-GB" dirty="0" smtClean="0"/>
           </a:p>
           <a:p>
             <a:r>
@@ -46985,17 +46900,8 @@
             <a:pPr lvl="1"/>
             <a:r>
               <a:rPr lang="en-GB" dirty="0" smtClean="0"/>
-              <a:t>Rapid </a:t>
+              <a:t>Rapid development of new network services</a:t>
             </a:r>
-            <a:r>
-              <a:rPr lang="en-GB" dirty="0" smtClean="0"/>
-              <a:t>development </a:t>
-            </a:r>
-            <a:r>
-              <a:rPr lang="en-GB" dirty="0" smtClean="0"/>
-              <a:t>of new network services</a:t>
-            </a:r>
-            <a:endParaRPr lang="en-GB" dirty="0" smtClean="0"/>
           </a:p>
           <a:p>
             <a:pPr lvl="1">
@@ -47005,13 +46911,8 @@
             </a:pPr>
             <a:r>
               <a:rPr lang="en-GB" dirty="0" smtClean="0"/>
-              <a:t>Simple deployment, resource placement and </a:t>
+              <a:t>Simple deployment, resource placement and allocation</a:t>
             </a:r>
-            <a:r>
-              <a:rPr lang="en-GB" dirty="0" smtClean="0"/>
-              <a:t>allocation</a:t>
-            </a:r>
-            <a:endParaRPr lang="en-GB" dirty="0" smtClean="0"/>
           </a:p>
           <a:p>
             <a:r>
@@ -47048,15 +46949,7 @@
             <a:pPr lvl="1"/>
             <a:r>
               <a:rPr lang="en-GB" dirty="0" smtClean="0"/>
-              <a:t>Isolation of </a:t>
-            </a:r>
-            <a:r>
-              <a:rPr lang="en-GB" dirty="0" smtClean="0"/>
-              <a:t>services within </a:t>
-            </a:r>
-            <a:r>
-              <a:rPr lang="en-GB" dirty="0" smtClean="0"/>
-              <a:t>shared hardware</a:t>
+              <a:t>Isolation of services within shared hardware</a:t>
             </a:r>
           </a:p>
         </p:txBody>
@@ -51339,11 +51232,7 @@
             </a:r>
             <a:r>
               <a:rPr lang="en-GB" dirty="0" smtClean="0"/>
-              <a:t>. </a:t>
-            </a:r>
-            <a:r>
-              <a:rPr lang="en-GB" dirty="0" smtClean="0"/>
-              <a:t>NaaS Box Architecture</a:t>
+              <a:t>. NaaS Box Architecture</a:t>
             </a:r>
             <a:endParaRPr lang="en-GB" dirty="0"/>
           </a:p>
@@ -51412,7 +51301,6 @@
               <a:rPr lang="en-GB" dirty="0" smtClean="0"/>
               <a:t> application-specific load-balancing, in-network computation, ...</a:t>
             </a:r>
-            <a:endParaRPr lang="en-GB" dirty="0" smtClean="0"/>
           </a:p>
           <a:p>
             <a:r>
@@ -53047,23 +52935,7 @@
                   <a:prstClr val="black"/>
                 </a:solidFill>
               </a:rPr>
-              <a:t>. Hardware-Assisted </a:t>
-            </a:r>
-            <a:r>
-              <a:rPr lang="en-GB" dirty="0" smtClean="0">
-                <a:solidFill>
-                  <a:prstClr val="black"/>
-                </a:solidFill>
-              </a:rPr>
-              <a:t>NaaS </a:t>
-            </a:r>
-            <a:r>
-              <a:rPr lang="en-GB" dirty="0" smtClean="0">
-                <a:solidFill>
-                  <a:prstClr val="black"/>
-                </a:solidFill>
-              </a:rPr>
-              <a:t>Box</a:t>
+              <a:t>. Hardware-Assisted NaaS Box</a:t>
             </a:r>
             <a:endParaRPr lang="en-GB" dirty="0"/>
           </a:p>
@@ -53091,19 +52963,7 @@
           <a:p>
             <a:r>
               <a:rPr lang="en-GB" dirty="0" smtClean="0"/>
-              <a:t>Hard to </a:t>
-            </a:r>
-            <a:r>
-              <a:rPr lang="en-GB" dirty="0" smtClean="0"/>
-              <a:t>achieve 10Gbps </a:t>
-            </a:r>
-            <a:r>
-              <a:rPr lang="en-GB" dirty="0" smtClean="0"/>
-              <a:t>line rate in software </a:t>
-            </a:r>
-            <a:r>
-              <a:rPr lang="en-GB" dirty="0" smtClean="0"/>
-              <a:t>alone</a:t>
+              <a:t>Hard to achieve 10Gbps line rate in software alone</a:t>
             </a:r>
           </a:p>
           <a:p>
@@ -53118,11 +52978,7 @@
             </a:r>
             <a:r>
               <a:rPr lang="en-GB" dirty="0" smtClean="0"/>
-              <a:t>Push </a:t>
-            </a:r>
-            <a:r>
-              <a:rPr lang="en-GB" dirty="0" smtClean="0"/>
-              <a:t>certain features into hardware (</a:t>
+              <a:t>Push certain features into hardware (</a:t>
             </a:r>
             <a:r>
               <a:rPr lang="en-GB" dirty="0" err="1" smtClean="0"/>
@@ -53172,15 +53028,7 @@
                   <a:srgbClr val="FF8000"/>
                 </a:solidFill>
               </a:rPr>
-              <a:t>basic </a:t>
-            </a:r>
-            <a:r>
-              <a:rPr lang="en-GB" dirty="0" smtClean="0">
-                <a:solidFill>
-                  <a:srgbClr val="FF8000"/>
-                </a:solidFill>
-              </a:rPr>
-              <a:t>per-app processing</a:t>
+              <a:t>basic per-app processing</a:t>
             </a:r>
           </a:p>
           <a:p>
@@ -53191,11 +53039,7 @@
             </a:r>
             <a:r>
               <a:rPr lang="en-GB" dirty="0" smtClean="0"/>
-              <a:t> </a:t>
-            </a:r>
-            <a:r>
-              <a:rPr lang="en-GB" dirty="0" smtClean="0"/>
-              <a:t>serialisation/</a:t>
+              <a:t> serialisation/</a:t>
             </a:r>
             <a:r>
               <a:rPr lang="en-GB" dirty="0" err="1" smtClean="0"/>
@@ -53229,11 +53073,7 @@
             </a:r>
             <a:r>
               <a:rPr lang="en-GB" dirty="0" smtClean="0"/>
-              <a:t>frees </a:t>
-            </a:r>
-            <a:r>
-              <a:rPr lang="en-GB" dirty="0" smtClean="0"/>
-              <a:t>CPU cores </a:t>
+              <a:t>frees CPU cores </a:t>
             </a:r>
             <a:r>
               <a:rPr lang="en-GB" dirty="0"/>
@@ -53354,9 +53194,9 @@
       </p:pic>
       <p:pic>
         <p:nvPicPr>
-          <p:cNvPr id="2050" name="Picture 2"/>
+          <p:cNvPr id="4" name="Picture 3" descr="NetFPGA-SUME.jpg"/>
           <p:cNvPicPr>
-            <a:picLocks noChangeAspect="1" noChangeArrowheads="1"/>
+            <a:picLocks noChangeAspect="1"/>
           </p:cNvPicPr>
           <p:nvPr/>
         </p:nvPicPr>
@@ -53368,42 +53208,18 @@
               </a:ext>
             </a:extLst>
           </a:blip>
-          <a:srcRect/>
           <a:stretch>
             <a:fillRect/>
           </a:stretch>
         </p:blipFill>
-        <p:spPr bwMode="auto">
+        <p:spPr>
           <a:xfrm>
-            <a:off x="4977136" y="1653283"/>
-            <a:ext cx="1827112" cy="976047"/>
+            <a:off x="5492857" y="1723409"/>
+            <a:ext cx="1383365" cy="1014007"/>
           </a:xfrm>
           <a:prstGeom prst="rect">
             <a:avLst/>
           </a:prstGeom>
-          <a:noFill/>
-          <a:ln>
-            <a:noFill/>
-          </a:ln>
-          <a:extLst>
-            <a:ext uri="{909E8E84-426E-40dd-AFC4-6F175D3DCCD1}">
-              <a14:hiddenFill xmlns:a14="http://schemas.microsoft.com/office/drawing/2010/main">
-                <a:solidFill>
-                  <a:schemeClr val="accent1"/>
-                </a:solidFill>
-              </a14:hiddenFill>
-            </a:ext>
-            <a:ext uri="{91240B29-F687-4f45-9708-019B960494DF}">
-              <a14:hiddenLine xmlns:a14="http://schemas.microsoft.com/office/drawing/2010/main" w="9525">
-                <a:solidFill>
-                  <a:schemeClr val="tx1"/>
-                </a:solidFill>
-                <a:miter lim="800000"/>
-                <a:headEnd/>
-                <a:tailEnd/>
-              </a14:hiddenLine>
-            </a:ext>
-          </a:extLst>
         </p:spPr>
       </p:pic>
     </p:spTree>
@@ -53461,11 +53277,7 @@
           <a:p>
             <a:r>
               <a:rPr lang="en-GB" smtClean="0"/>
-              <a:t>C</a:t>
-            </a:r>
-            <a:r>
-              <a:rPr lang="en-GB" smtClean="0"/>
-              <a:t>. SDN-Controlled NaaS</a:t>
+              <a:t>C. SDN-Controlled NaaS</a:t>
             </a:r>
             <a:endParaRPr lang="en-GB" dirty="0"/>
           </a:p>
@@ -57535,11 +57347,11 @@
   <p:clrMapOvr>
     <a:masterClrMapping/>
   </p:clrMapOvr>
-  <mc:AlternateContent xmlns:mc="http://schemas.openxmlformats.org/markup-compatibility/2006">
-    <mc:Choice xmlns:p14="http://schemas.microsoft.com/office/powerpoint/2010/main" Requires="p14">
+  <mc:AlternateContent xmlns:mc="http://schemas.openxmlformats.org/markup-compatibility/2006" xmlns:p14="http://schemas.microsoft.com/office/powerpoint/2010/main">
+    <mc:Choice Requires="p14">
       <p:transition p14:dur="0"/>
     </mc:Choice>
-    <mc:Fallback>
+    <mc:Fallback xmlns="">
       <p:transition xmlns:p14="http://schemas.microsoft.com/office/powerpoint/2010/main"/>
     </mc:Fallback>
   </mc:AlternateContent>
